--- a/report/毕业设计开题报告.pptx
+++ b/report/毕业设计开题报告.pptx
@@ -6,7 +6,7 @@
     <p:sldMasterId id="2147483660" r:id="rId2"/>
   </p:sldMasterIdLst>
   <p:notesMasterIdLst>
-    <p:notesMasterId r:id="rId11"/>
+    <p:notesMasterId r:id="rId12"/>
   </p:notesMasterIdLst>
   <p:sldIdLst>
     <p:sldId id="1833" r:id="rId3"/>
@@ -15,8 +15,9 @@
     <p:sldId id="2743" r:id="rId6"/>
     <p:sldId id="2780" r:id="rId7"/>
     <p:sldId id="2728" r:id="rId8"/>
-    <p:sldId id="2779" r:id="rId9"/>
-    <p:sldId id="1835" r:id="rId10"/>
+    <p:sldId id="2782" r:id="rId9"/>
+    <p:sldId id="2779" r:id="rId10"/>
+    <p:sldId id="1835" r:id="rId11"/>
   </p:sldIdLst>
   <p:sldSz cx="12192000" cy="6858000"/>
   <p:notesSz cx="6858000" cy="9144000"/>
@@ -930,7 +931,7 @@
           <a:bodyPr/>
           <a:lstStyle/>
           <a:p>
-            <a:endParaRPr lang="zh-CN" altLang="en-US"/>
+            <a:endParaRPr lang="zh-CN" altLang="en-US" dirty="0"/>
           </a:p>
         </p:txBody>
       </p:sp>
@@ -1146,6 +1147,96 @@
     </p:spTree>
     <p:extLst>
       <p:ext uri="{BB962C8B-B14F-4D97-AF65-F5344CB8AC3E}">
+        <p14:creationId xmlns:p14="http://schemas.microsoft.com/office/powerpoint/2010/main" val="2855104342"/>
+      </p:ext>
+    </p:extLst>
+  </p:cSld>
+  <p:clrMapOvr>
+    <a:masterClrMapping/>
+  </p:clrMapOvr>
+</p:notes>
+</file>
+
+<file path=ppt/notesSlides/notesSlide8.xml><?xml version="1.0" encoding="utf-8"?>
+<p:notes xmlns:a="http://schemas.openxmlformats.org/drawingml/2006/main" xmlns:r="http://schemas.openxmlformats.org/officeDocument/2006/relationships" xmlns:p="http://schemas.openxmlformats.org/presentationml/2006/main">
+  <p:cSld>
+    <p:spTree>
+      <p:nvGrpSpPr>
+        <p:cNvPr id="1" name=""/>
+        <p:cNvGrpSpPr/>
+        <p:nvPr/>
+      </p:nvGrpSpPr>
+      <p:grpSpPr>
+        <a:xfrm>
+          <a:off x="0" y="0"/>
+          <a:ext cx="0" cy="0"/>
+          <a:chOff x="0" y="0"/>
+          <a:chExt cx="0" cy="0"/>
+        </a:xfrm>
+      </p:grpSpPr>
+      <p:sp>
+        <p:nvSpPr>
+          <p:cNvPr id="2" name="幻灯片图像占位符 1"/>
+          <p:cNvSpPr>
+            <a:spLocks noGrp="1" noRot="1" noChangeAspect="1"/>
+          </p:cNvSpPr>
+          <p:nvPr>
+            <p:ph type="sldImg"/>
+          </p:nvPr>
+        </p:nvSpPr>
+        <p:spPr/>
+      </p:sp>
+      <p:sp>
+        <p:nvSpPr>
+          <p:cNvPr id="3" name="备注占位符 2"/>
+          <p:cNvSpPr>
+            <a:spLocks noGrp="1"/>
+          </p:cNvSpPr>
+          <p:nvPr>
+            <p:ph type="body" idx="1"/>
+          </p:nvPr>
+        </p:nvSpPr>
+        <p:spPr/>
+        <p:txBody>
+          <a:bodyPr/>
+          <a:lstStyle/>
+          <a:p>
+            <a:endParaRPr lang="zh-CN" altLang="en-US"/>
+          </a:p>
+        </p:txBody>
+      </p:sp>
+      <p:sp>
+        <p:nvSpPr>
+          <p:cNvPr id="4" name="灯片编号占位符 3"/>
+          <p:cNvSpPr>
+            <a:spLocks noGrp="1"/>
+          </p:cNvSpPr>
+          <p:nvPr>
+            <p:ph type="sldNum" sz="quarter" idx="10"/>
+          </p:nvPr>
+        </p:nvSpPr>
+        <p:spPr/>
+        <p:txBody>
+          <a:bodyPr/>
+          <a:lstStyle/>
+          <a:p>
+            <a:pPr>
+              <a:defRPr/>
+            </a:pPr>
+            <a:fld id="{CD7A2CCA-E5D5-4859-8035-B358016F08F8}" type="slidenum">
+              <a:rPr lang="zh-CN" altLang="en-US" smtClean="0"/>
+              <a:pPr>
+                <a:defRPr/>
+              </a:pPr>
+              <a:t>8</a:t>
+            </a:fld>
+            <a:endParaRPr lang="zh-CN" altLang="en-US" dirty="0"/>
+          </a:p>
+        </p:txBody>
+      </p:sp>
+    </p:spTree>
+    <p:extLst>
+      <p:ext uri="{BB962C8B-B14F-4D97-AF65-F5344CB8AC3E}">
         <p14:creationId xmlns:p14="http://schemas.microsoft.com/office/powerpoint/2010/main" val="1115772096"/>
       </p:ext>
     </p:extLst>
@@ -1156,7 +1247,7 @@
 </p:notes>
 </file>
 
-<file path=ppt/notesSlides/notesSlide8.xml><?xml version="1.0" encoding="utf-8"?>
+<file path=ppt/notesSlides/notesSlide9.xml><?xml version="1.0" encoding="utf-8"?>
 <p:notes xmlns:a="http://schemas.openxmlformats.org/drawingml/2006/main" xmlns:r="http://schemas.openxmlformats.org/officeDocument/2006/relationships" xmlns:p="http://schemas.openxmlformats.org/presentationml/2006/main">
   <p:cSld>
     <p:spTree>
@@ -1268,7 +1359,7 @@
                 <a:tabLst/>
                 <a:defRPr/>
               </a:pPr>
-              <a:t>8</a:t>
+              <a:t>9</a:t>
             </a:fld>
             <a:endParaRPr kumimoji="0" lang="zh-CN" altLang="en-US" sz="1200" b="0" i="0" u="none" strike="noStrike" kern="1200" cap="none" spc="0" normalizeH="0" baseline="0" noProof="0" dirty="0">
               <a:ln>
@@ -28905,7 +28996,7 @@
           <a:p>
             <a:r>
               <a:rPr lang="zh-CN" altLang="en-US" dirty="0"/>
-              <a:t>答辩人：林 晨　　   　导　师：陆慧梅               时间：</a:t>
+              <a:t>答辩人：林 晨　　　导　师：陆慧梅               时间：</a:t>
             </a:r>
             <a:fld id="{7FE9B91D-69D4-41E0-B26E-5023391A4E5E}" type="datetime1">
               <a:rPr lang="zh-CN" altLang="en-US" smtClean="0"/>
@@ -29074,7 +29165,7 @@
         </p:nvGrpSpPr>
         <p:grpSpPr>
           <a:xfrm>
-            <a:off x="6135847" y="3798618"/>
+            <a:off x="6145323" y="3603093"/>
             <a:ext cx="5844097" cy="511814"/>
             <a:chOff x="5181690" y="3693789"/>
             <a:chExt cx="6290318" cy="550893"/>
@@ -29187,7 +29278,7 @@
         </p:nvGrpSpPr>
         <p:grpSpPr>
           <a:xfrm>
-            <a:off x="6135847" y="4672999"/>
+            <a:off x="6175312" y="4281949"/>
             <a:ext cx="5853573" cy="511814"/>
             <a:chOff x="5184190" y="4548742"/>
             <a:chExt cx="6300518" cy="550893"/>
@@ -29305,7 +29396,7 @@
         </p:nvGrpSpPr>
         <p:grpSpPr>
           <a:xfrm>
-            <a:off x="6145323" y="5547380"/>
+            <a:off x="6184788" y="4974402"/>
             <a:ext cx="5844097" cy="511814"/>
             <a:chOff x="5181690" y="5404127"/>
             <a:chExt cx="6290318" cy="550893"/>
@@ -29404,7 +29495,7 @@
                   <a:latin typeface="+mj-ea"/>
                   <a:ea typeface="+mj-ea"/>
                 </a:rPr>
-                <a:t>研究计划与安排</a:t>
+                <a:t>预期研究成果</a:t>
               </a:r>
               <a:endParaRPr lang="zh-CN" altLang="en-US" sz="2400" b="1" spc="300" dirty="0">
                 <a:solidFill>
@@ -29890,6 +29981,130 @@
           </a:p>
         </p:txBody>
       </p:sp>
+      <p:grpSp>
+        <p:nvGrpSpPr>
+          <p:cNvPr id="2" name="组合 1">
+            <a:extLst>
+              <a:ext uri="{FF2B5EF4-FFF2-40B4-BE49-F238E27FC236}">
+                <a16:creationId xmlns:a16="http://schemas.microsoft.com/office/drawing/2014/main" id="{88FE1D07-F22B-0CD5-2DB4-BCCAE8905A6B}"/>
+              </a:ext>
+            </a:extLst>
+          </p:cNvPr>
+          <p:cNvGrpSpPr/>
+          <p:nvPr/>
+        </p:nvGrpSpPr>
+        <p:grpSpPr>
+          <a:xfrm>
+            <a:off x="6184788" y="5665031"/>
+            <a:ext cx="5844097" cy="511814"/>
+            <a:chOff x="5181690" y="5404127"/>
+            <a:chExt cx="6290318" cy="550893"/>
+          </a:xfrm>
+        </p:grpSpPr>
+        <p:sp>
+          <p:nvSpPr>
+            <p:cNvPr id="3" name="椭圆 2">
+              <a:extLst>
+                <a:ext uri="{FF2B5EF4-FFF2-40B4-BE49-F238E27FC236}">
+                  <a16:creationId xmlns:a16="http://schemas.microsoft.com/office/drawing/2014/main" id="{A506693B-B992-E9BF-03FB-F87751B6AC3A}"/>
+                </a:ext>
+              </a:extLst>
+            </p:cNvPr>
+            <p:cNvSpPr/>
+            <p:nvPr/>
+          </p:nvSpPr>
+          <p:spPr>
+            <a:xfrm>
+              <a:off x="5181690" y="5404127"/>
+              <a:ext cx="550893" cy="550893"/>
+            </a:xfrm>
+            <a:prstGeom prst="ellipse">
+              <a:avLst/>
+            </a:prstGeom>
+            <a:solidFill>
+              <a:schemeClr val="accent4"/>
+            </a:solidFill>
+            <a:ln>
+              <a:noFill/>
+            </a:ln>
+          </p:spPr>
+          <p:style>
+            <a:lnRef idx="2">
+              <a:schemeClr val="accent1">
+                <a:shade val="50000"/>
+              </a:schemeClr>
+            </a:lnRef>
+            <a:fillRef idx="1">
+              <a:schemeClr val="accent1"/>
+            </a:fillRef>
+            <a:effectRef idx="0">
+              <a:schemeClr val="accent1"/>
+            </a:effectRef>
+            <a:fontRef idx="minor">
+              <a:schemeClr val="lt1"/>
+            </a:fontRef>
+          </p:style>
+          <p:txBody>
+            <a:bodyPr rtlCol="0" anchor="ctr"/>
+            <a:lstStyle/>
+            <a:p>
+              <a:pPr algn="ctr"/>
+              <a:r>
+                <a:rPr lang="en-US" altLang="zh-CN" sz="2400" dirty="0">
+                  <a:latin typeface="Century Gothic" panose="020B0502020202020204" pitchFamily="34" charset="0"/>
+                </a:rPr>
+                <a:t>5</a:t>
+              </a:r>
+              <a:endParaRPr lang="zh-CN" altLang="en-US" sz="2400" dirty="0">
+                <a:latin typeface="Century Gothic" panose="020B0502020202020204" pitchFamily="34" charset="0"/>
+              </a:endParaRPr>
+            </a:p>
+          </p:txBody>
+        </p:sp>
+        <p:sp>
+          <p:nvSpPr>
+            <p:cNvPr id="9" name="文本框 8">
+              <a:extLst>
+                <a:ext uri="{FF2B5EF4-FFF2-40B4-BE49-F238E27FC236}">
+                  <a16:creationId xmlns:a16="http://schemas.microsoft.com/office/drawing/2014/main" id="{1FD0150F-BF82-30FF-8EFD-2B1384208936}"/>
+                </a:ext>
+              </a:extLst>
+            </p:cNvPr>
+            <p:cNvSpPr txBox="1"/>
+            <p:nvPr/>
+          </p:nvSpPr>
+          <p:spPr>
+            <a:xfrm>
+              <a:off x="6025663" y="5469119"/>
+              <a:ext cx="5446345" cy="397532"/>
+            </a:xfrm>
+            <a:prstGeom prst="rect">
+              <a:avLst/>
+            </a:prstGeom>
+            <a:noFill/>
+          </p:spPr>
+          <p:txBody>
+            <a:bodyPr wrap="square" lIns="0" tIns="0" rIns="0" bIns="0" rtlCol="0">
+              <a:spAutoFit/>
+            </a:bodyPr>
+            <a:lstStyle/>
+            <a:p>
+              <a:r>
+                <a:rPr lang="zh-CN" altLang="en-US" sz="2400" b="1" spc="300" dirty="0">
+                  <a:latin typeface="+mj-ea"/>
+                  <a:ea typeface="+mj-ea"/>
+                </a:rPr>
+                <a:t>研究计划与安排</a:t>
+              </a:r>
+              <a:endParaRPr lang="zh-CN" altLang="en-US" sz="2400" b="1" spc="300" dirty="0">
+                <a:solidFill>
+                  <a:schemeClr val="accent3"/>
+                </a:solidFill>
+              </a:endParaRPr>
+            </a:p>
+          </p:txBody>
+        </p:sp>
+      </p:grpSp>
     </p:spTree>
     <p:extLst>
       <p:ext uri="{BB962C8B-B14F-4D97-AF65-F5344CB8AC3E}">
@@ -30328,7 +30543,7 @@
               <a:rPr lang="zh-CN" altLang="en-US" dirty="0">
                 <a:latin typeface="+mn-ea"/>
               </a:rPr>
-              <a:t>形形色色的外设，帮助操作系统实现了丰富的功能</a:t>
+              <a:t>各式各样外设的加入，使得计算机系统能够向用户提供丰富的服务</a:t>
             </a:r>
             <a:endParaRPr lang="en-US" altLang="zh-CN" dirty="0">
               <a:latin typeface="+mn-ea"/>
@@ -30376,7 +30591,19 @@
               <a:rPr lang="zh-CN" altLang="zh-CN" dirty="0">
                 <a:latin typeface="+mn-ea"/>
               </a:rPr>
-              <a:t>外设种类多样，不同厂家对于相同外设的设计也不尽相同</a:t>
+              <a:t>外设种类多样，不同厂家对于同</a:t>
+            </a:r>
+            <a:r>
+              <a:rPr lang="zh-CN" altLang="en-US" dirty="0">
+                <a:latin typeface="+mn-ea"/>
+              </a:rPr>
+              <a:t>种</a:t>
+            </a:r>
+            <a:r>
+              <a:rPr lang="zh-CN" altLang="zh-CN" dirty="0">
+                <a:latin typeface="+mn-ea"/>
+              </a:rPr>
+              <a:t>外设的设计也不尽相同</a:t>
             </a:r>
             <a:r>
               <a:rPr lang="en-US" altLang="zh-CN" dirty="0">
@@ -30471,7 +30698,7 @@
         <p:spPr>
           <a:xfrm>
             <a:off x="660399" y="4092594"/>
-            <a:ext cx="10905960" cy="1705403"/>
+            <a:ext cx="10905960" cy="1289905"/>
           </a:xfrm>
           <a:prstGeom prst="rect">
             <a:avLst/>
@@ -30510,7 +30737,7 @@
               <a:rPr lang="zh-CN" altLang="en-US" dirty="0">
                 <a:latin typeface="+mn-ea"/>
               </a:rPr>
-              <a:t>操作完成前，调用 </a:t>
+              <a:t>操作前，被调用的 </a:t>
             </a:r>
             <a:r>
               <a:rPr lang="en-US" altLang="zh-CN" dirty="0">
@@ -30522,7 +30749,7 @@
               <a:rPr lang="zh-CN" altLang="en-US" dirty="0">
                 <a:latin typeface="+mn-ea"/>
               </a:rPr>
-              <a:t>的程序不会返回继续执行</a:t>
+              <a:t>函数不会立即返回，导致原函数阻塞在该位置</a:t>
             </a:r>
             <a:endParaRPr lang="en-US" altLang="zh-CN" dirty="0">
               <a:latin typeface="+mn-ea"/>
@@ -30555,13 +30782,13 @@
               <a:rPr lang="zh-CN" altLang="en-US" dirty="0">
                 <a:latin typeface="+mn-ea"/>
               </a:rPr>
-              <a:t>操作的调用工作后，直接返回继续执行接下来的程序，尽管规定的</a:t>
+              <a:t>函数的调用后，立即返回继续执行原函数接下来的语句，尽管规定的 </a:t>
             </a:r>
             <a:r>
               <a:rPr lang="en-US" altLang="zh-CN" dirty="0">
                 <a:latin typeface="+mn-ea"/>
               </a:rPr>
-              <a:t>IO</a:t>
+              <a:t>I/O </a:t>
             </a:r>
             <a:r>
               <a:rPr lang="zh-CN" altLang="en-US" dirty="0">
@@ -30624,38 +30851,8 @@
               <a:rPr lang="zh-CN" altLang="en-US" dirty="0">
                 <a:latin typeface="+mn-ea"/>
               </a:rPr>
-              <a:t>吞吐量和安全性</a:t>
+              <a:t>效率</a:t>
             </a:r>
-            <a:endParaRPr lang="en-US" altLang="zh-CN" dirty="0">
-              <a:latin typeface="+mn-ea"/>
-            </a:endParaRPr>
-          </a:p>
-          <a:p>
-            <a:pPr marL="800100" lvl="2" indent="-342900" algn="just">
-              <a:lnSpc>
-                <a:spcPct val="150000"/>
-              </a:lnSpc>
-              <a:buClr>
-                <a:schemeClr val="tx2"/>
-              </a:buClr>
-              <a:buFont typeface="Wingdings" panose="05000000000000000000" pitchFamily="2" charset="2"/>
-              <a:buChar char="n"/>
-            </a:pPr>
-            <a:r>
-              <a:rPr lang="zh-CN" altLang="zh-CN" dirty="0">
-                <a:latin typeface="+mn-ea"/>
-              </a:rPr>
-              <a:t>采用无栈协程实现的异步</a:t>
-            </a:r>
-            <a:r>
-              <a:rPr lang="zh-CN" altLang="en-US" dirty="0">
-                <a:latin typeface="+mn-ea"/>
-              </a:rPr>
-              <a:t>，能够省去操作系统对于线程上下文切换、堆栈分配等性能和内存开销</a:t>
-            </a:r>
-            <a:endParaRPr lang="en-US" altLang="zh-CN" dirty="0">
-              <a:latin typeface="+mn-ea"/>
-            </a:endParaRPr>
           </a:p>
         </p:txBody>
       </p:sp>
@@ -30945,7 +31142,7 @@
               <a:rPr lang="zh-CN" altLang="en-US" dirty="0">
                 <a:latin typeface="+mn-ea"/>
               </a:rPr>
-              <a:t>语言开发跨操作系统的异步驱动程序</a:t>
+              <a:t>语言开发跨操作系统的异步驱动模块</a:t>
             </a:r>
             <a:endParaRPr lang="en-US" altLang="zh-CN" dirty="0">
               <a:latin typeface="+mn-ea"/>
@@ -31008,7 +31205,7 @@
               <a:rPr lang="zh-CN" altLang="en-US" dirty="0">
                 <a:latin typeface="+mn-ea"/>
               </a:rPr>
-              <a:t>一些很好的语言特性：</a:t>
+              <a:t>对异步和协程的支持：</a:t>
             </a:r>
             <a:r>
               <a:rPr lang="en-US" altLang="zh-CN" dirty="0">
@@ -31016,15 +31213,6 @@
               </a:rPr>
               <a:t>Rust Future</a:t>
             </a:r>
-            <a:r>
-              <a:rPr lang="zh-CN" altLang="en-US" dirty="0">
-                <a:latin typeface="+mn-ea"/>
-              </a:rPr>
-              <a:t>等</a:t>
-            </a:r>
-            <a:endParaRPr lang="en-US" altLang="zh-CN" dirty="0">
-              <a:latin typeface="+mn-ea"/>
-            </a:endParaRPr>
           </a:p>
           <a:p>
             <a:pPr marL="800100" lvl="1" indent="-342900" algn="just">
@@ -31041,7 +31229,7 @@
               <a:rPr lang="zh-CN" altLang="en-US" dirty="0">
                 <a:latin typeface="+mn-ea"/>
               </a:rPr>
-              <a:t>有效的包管理：</a:t>
+              <a:t>高效的包管理：</a:t>
             </a:r>
             <a:r>
               <a:rPr lang="en-US" altLang="zh-CN" dirty="0">
@@ -31049,15 +31237,6 @@
               </a:rPr>
               <a:t>Rust Cargo</a:t>
             </a:r>
-            <a:r>
-              <a:rPr lang="zh-CN" altLang="en-US" dirty="0">
-                <a:latin typeface="+mn-ea"/>
-              </a:rPr>
-              <a:t>等</a:t>
-            </a:r>
-            <a:endParaRPr lang="en-US" altLang="zh-CN" dirty="0">
-              <a:latin typeface="+mn-ea"/>
-            </a:endParaRPr>
           </a:p>
           <a:p>
             <a:pPr algn="just">
@@ -31087,7 +31266,7 @@
               <a:rPr lang="zh-CN" altLang="en-US" dirty="0">
                 <a:latin typeface="+mn-ea"/>
               </a:rPr>
-              <a:t>使用 </a:t>
+              <a:t>基于 </a:t>
             </a:r>
             <a:r>
               <a:rPr lang="en-US" altLang="zh-CN" dirty="0">
@@ -31401,7 +31580,7 @@
         <p:spPr>
           <a:xfrm>
             <a:off x="643020" y="1339968"/>
-            <a:ext cx="10905960" cy="4198393"/>
+            <a:ext cx="10905960" cy="4613892"/>
           </a:xfrm>
           <a:prstGeom prst="rect">
             <a:avLst/>
@@ -31514,6 +31693,33 @@
               <a:buFont typeface="Wingdings" panose="05000000000000000000" pitchFamily="2" charset="2"/>
               <a:buChar char="n"/>
             </a:pPr>
+            <a:r>
+              <a:rPr lang="zh-CN" altLang="zh-CN" dirty="0">
+                <a:latin typeface="+mn-ea"/>
+              </a:rPr>
+              <a:t>采用无栈协程实现的异步</a:t>
+            </a:r>
+            <a:r>
+              <a:rPr lang="zh-CN" altLang="en-US" dirty="0">
+                <a:latin typeface="+mn-ea"/>
+              </a:rPr>
+              <a:t>，能够省去操作系统对于线程上下文切换、堆栈分配等性能和内存开销</a:t>
+            </a:r>
+            <a:endParaRPr lang="en-US" altLang="zh-CN" dirty="0">
+              <a:latin typeface="+mn-ea"/>
+            </a:endParaRPr>
+          </a:p>
+          <a:p>
+            <a:pPr marL="800100" lvl="1" indent="-342900" algn="just">
+              <a:lnSpc>
+                <a:spcPct val="150000"/>
+              </a:lnSpc>
+              <a:buClr>
+                <a:schemeClr val="tx2"/>
+              </a:buClr>
+              <a:buFont typeface="Wingdings" panose="05000000000000000000" pitchFamily="2" charset="2"/>
+              <a:buChar char="n"/>
+            </a:pPr>
             <a:endParaRPr lang="en-US" altLang="zh-CN" dirty="0">
               <a:latin typeface="+mn-ea"/>
             </a:endParaRPr>
@@ -31608,7 +31814,13 @@
               <a:rPr lang="zh-CN" altLang="zh-CN" dirty="0">
                 <a:latin typeface="+mn-ea"/>
               </a:rPr>
-              <a:t>语言编写操作系统组件逐渐成为趋势</a:t>
+              <a:t>语言编写操作系统组件</a:t>
+            </a:r>
+            <a:r>
+              <a:rPr lang="zh-CN" altLang="en-US" dirty="0">
+                <a:latin typeface="+mn-ea"/>
+              </a:rPr>
+              <a:t>被越来越多的人所认可</a:t>
             </a:r>
             <a:endParaRPr lang="en-US" altLang="zh-CN" dirty="0">
               <a:latin typeface="+mn-ea"/>
@@ -31654,28 +31866,14 @@
             </a:endParaRPr>
           </a:p>
           <a:p>
-            <a:pPr marL="800100" lvl="1" indent="-342900" algn="just">
+            <a:pPr lvl="1" algn="just">
               <a:lnSpc>
                 <a:spcPct val="150000"/>
               </a:lnSpc>
               <a:buClr>
                 <a:schemeClr val="tx2"/>
               </a:buClr>
-              <a:buFont typeface="Wingdings" panose="05000000000000000000" pitchFamily="2" charset="2"/>
-              <a:buChar char="n"/>
             </a:pPr>
-            <a:r>
-              <a:rPr lang="en-US" altLang="zh-CN" dirty="0">
-                <a:latin typeface="+mn-ea"/>
-              </a:rPr>
-              <a:t>Rust </a:t>
-            </a:r>
-            <a:r>
-              <a:rPr lang="zh-CN" altLang="en-US" dirty="0">
-                <a:latin typeface="+mn-ea"/>
-              </a:rPr>
-              <a:t>社区中对不同硬件驱动模块的开发</a:t>
-            </a:r>
             <a:endParaRPr lang="en-US" altLang="zh-CN" dirty="0">
               <a:latin typeface="+mn-ea"/>
             </a:endParaRPr>
@@ -31696,7 +31894,7 @@
         </p:nvSpPr>
         <p:spPr>
           <a:xfrm>
-            <a:off x="6195768" y="3429000"/>
+            <a:off x="6096000" y="3938286"/>
             <a:ext cx="5917676" cy="707886"/>
           </a:xfrm>
           <a:prstGeom prst="rect">
@@ -31843,7 +32041,7 @@
         <p:spPr>
           <a:xfrm>
             <a:off x="651020" y="1274747"/>
-            <a:ext cx="10915669" cy="3788153"/>
+            <a:ext cx="10915669" cy="4198393"/>
           </a:xfrm>
           <a:prstGeom prst="rect">
             <a:avLst/>
@@ -31901,7 +32099,31 @@
               <a:rPr lang="zh-CN" altLang="en-US" dirty="0">
                 <a:latin typeface="+mn-ea"/>
               </a:rPr>
-              <a:t>语言针对几个特定的硬件，开发跨操作系统的异步驱动模块，并对该异步驱动模块的性能与传统的同步驱动模块的性能在一定条件下进行比较，最终得出异步驱动模块相较于同步驱动模块的优势。</a:t>
+              <a:t>语言针对几个特定的硬件，开发跨操作系统的异步驱动模块，</a:t>
+            </a:r>
+            <a:r>
+              <a:rPr lang="zh-CN" altLang="en-US">
+                <a:latin typeface="+mn-ea"/>
+              </a:rPr>
+              <a:t>并对这些异步</a:t>
+            </a:r>
+            <a:r>
+              <a:rPr lang="zh-CN" altLang="en-US" dirty="0">
+                <a:latin typeface="+mn-ea"/>
+              </a:rPr>
+              <a:t>驱动模块的性能与传统的</a:t>
+            </a:r>
+            <a:r>
+              <a:rPr lang="zh-CN" altLang="en-US">
+                <a:latin typeface="+mn-ea"/>
+              </a:rPr>
+              <a:t>同步驱动的</a:t>
+            </a:r>
+            <a:r>
+              <a:rPr lang="zh-CN" altLang="en-US" dirty="0">
+                <a:latin typeface="+mn-ea"/>
+              </a:rPr>
+              <a:t>性能在一定条件下进行比较，最终得出异步驱动模块相较于同步驱动模块的优势。</a:t>
             </a:r>
             <a:endParaRPr lang="en-US" altLang="zh-CN" dirty="0">
               <a:latin typeface="+mn-ea"/>
@@ -31951,22 +32173,103 @@
               <a:buChar char="n"/>
             </a:pPr>
             <a:r>
-              <a:rPr lang="zh-CN" altLang="zh-CN" dirty="0">
+              <a:rPr lang="zh-CN" altLang="en-US" dirty="0">
                 <a:latin typeface="+mn-ea"/>
               </a:rPr>
-              <a:t>针对 </a:t>
+              <a:t>总结已有异步驱动的实现，抽象出跨操作系统的异步驱动模块设计，提出设计方案</a:t>
+            </a:r>
+            <a:endParaRPr lang="en-US" altLang="zh-CN" dirty="0">
+              <a:latin typeface="+mn-ea"/>
+            </a:endParaRPr>
+          </a:p>
+          <a:p>
+            <a:pPr marL="342900" indent="-342900" algn="just">
+              <a:lnSpc>
+                <a:spcPct val="150000"/>
+              </a:lnSpc>
+              <a:buClr>
+                <a:schemeClr val="tx2"/>
+              </a:buClr>
+              <a:buFont typeface="Wingdings" panose="05000000000000000000" pitchFamily="2" charset="2"/>
+              <a:buChar char="n"/>
+            </a:pPr>
+            <a:r>
+              <a:rPr lang="zh-CN" altLang="en-US" dirty="0">
+                <a:latin typeface="+mn-ea"/>
+              </a:rPr>
+              <a:t>根据设计方案，针对几种特定的硬件和操作系统，开发异步驱动模块</a:t>
+            </a:r>
+            <a:endParaRPr lang="en-US" altLang="zh-CN" dirty="0">
+              <a:latin typeface="+mn-ea"/>
+            </a:endParaRPr>
+          </a:p>
+          <a:p>
+            <a:pPr marL="800100" lvl="1" indent="-342900" algn="just">
+              <a:lnSpc>
+                <a:spcPct val="150000"/>
+              </a:lnSpc>
+              <a:buClr>
+                <a:schemeClr val="tx2"/>
+              </a:buClr>
+              <a:buFont typeface="Wingdings" panose="05000000000000000000" pitchFamily="2" charset="2"/>
+              <a:buChar char="n"/>
+            </a:pPr>
+            <a:r>
+              <a:rPr lang="zh-CN" altLang="en-US" dirty="0">
+                <a:latin typeface="+mn-ea"/>
+              </a:rPr>
+              <a:t>硬件：</a:t>
             </a:r>
             <a:r>
               <a:rPr lang="en-US" altLang="zh-CN" dirty="0">
                 <a:latin typeface="+mn-ea"/>
               </a:rPr>
-              <a:t>QEMU </a:t>
+              <a:t>QEMU</a:t>
             </a:r>
             <a:r>
-              <a:rPr lang="zh-CN" altLang="zh-CN" dirty="0">
+              <a:rPr lang="zh-CN" altLang="en-US" dirty="0">
                 <a:latin typeface="+mn-ea"/>
               </a:rPr>
-              <a:t>模拟器中提供的虚拟串口，为</a:t>
+              <a:t>、</a:t>
+            </a:r>
+            <a:r>
+              <a:rPr lang="en-US" altLang="zh-CN" dirty="0">
+                <a:latin typeface="+mn-ea"/>
+              </a:rPr>
+              <a:t> Starfive2</a:t>
+            </a:r>
+            <a:r>
+              <a:rPr lang="zh-CN" altLang="en-US" dirty="0">
+                <a:latin typeface="+mn-ea"/>
+              </a:rPr>
+              <a:t>等</a:t>
+            </a:r>
+            <a:endParaRPr lang="en-US" altLang="zh-CN" dirty="0">
+              <a:latin typeface="+mn-ea"/>
+            </a:endParaRPr>
+          </a:p>
+          <a:p>
+            <a:pPr marL="800100" lvl="1" indent="-342900" algn="just">
+              <a:lnSpc>
+                <a:spcPct val="150000"/>
+              </a:lnSpc>
+              <a:buClr>
+                <a:schemeClr val="tx2"/>
+              </a:buClr>
+              <a:buFont typeface="Wingdings" panose="05000000000000000000" pitchFamily="2" charset="2"/>
+              <a:buChar char="n"/>
+            </a:pPr>
+            <a:r>
+              <a:rPr lang="zh-CN" altLang="en-US" dirty="0">
+                <a:latin typeface="+mn-ea"/>
+              </a:rPr>
+              <a:t>操作系统：</a:t>
+            </a:r>
+            <a:r>
+              <a:rPr lang="en-US" altLang="zh-CN" dirty="0">
+                <a:latin typeface="+mn-ea"/>
+              </a:rPr>
+              <a:t> </a:t>
             </a:r>
             <a:r>
               <a:rPr lang="en-US" altLang="zh-CN" dirty="0" err="1">
@@ -32005,10 +32308,10 @@
               <a:t>ArceOS</a:t>
             </a:r>
             <a:r>
-              <a:rPr lang="zh-CN" altLang="zh-CN" dirty="0">
+              <a:rPr lang="zh-CN" altLang="en-US" dirty="0">
                 <a:latin typeface="+mn-ea"/>
               </a:rPr>
-              <a:t>以及</a:t>
+              <a:t>、</a:t>
             </a:r>
             <a:r>
               <a:rPr lang="en-US" altLang="zh-CN" dirty="0">
@@ -32017,10 +32320,10 @@
               <a:t>Linux</a:t>
             </a:r>
             <a:r>
-              <a:rPr lang="zh-CN" altLang="zh-CN" dirty="0">
+              <a:rPr lang="zh-CN" altLang="en-US" dirty="0">
                 <a:latin typeface="+mn-ea"/>
               </a:rPr>
-              <a:t>提供异步串口驱动</a:t>
+              <a:t>等</a:t>
             </a:r>
             <a:endParaRPr lang="en-US" altLang="zh-CN" dirty="0">
               <a:latin typeface="+mn-ea"/>
@@ -32038,130 +32341,28 @@
               <a:buChar char="n"/>
             </a:pPr>
             <a:r>
-              <a:rPr lang="zh-CN" altLang="zh-CN" dirty="0">
+              <a:rPr lang="zh-CN" altLang="en-US" dirty="0">
                 <a:latin typeface="+mn-ea"/>
               </a:rPr>
-              <a:t>针对</a:t>
-            </a:r>
-            <a:r>
-              <a:rPr lang="en-US" altLang="zh-CN" dirty="0">
-                <a:latin typeface="+mn-ea"/>
-              </a:rPr>
-              <a:t> QEMU </a:t>
+              <a:t>设计</a:t>
             </a:r>
             <a:r>
               <a:rPr lang="zh-CN" altLang="zh-CN" dirty="0">
                 <a:latin typeface="+mn-ea"/>
               </a:rPr>
-              <a:t>模拟器中提供的虚拟网卡，为</a:t>
+              <a:t>对比实验，对</a:t>
             </a:r>
             <a:r>
-              <a:rPr lang="en-US" altLang="zh-CN" dirty="0" err="1">
+              <a:rPr lang="zh-CN" altLang="en-US" dirty="0">
                 <a:latin typeface="+mn-ea"/>
               </a:rPr>
-              <a:t>rCore</a:t>
-            </a:r>
-            <a:r>
-              <a:rPr lang="en-US" altLang="zh-CN" dirty="0">
-                <a:latin typeface="+mn-ea"/>
-              </a:rPr>
-              <a:t>-N</a:t>
+              <a:t>实验中实现的异步</a:t>
             </a:r>
             <a:r>
               <a:rPr lang="zh-CN" altLang="zh-CN" dirty="0">
                 <a:latin typeface="+mn-ea"/>
               </a:rPr>
-              <a:t>，</a:t>
-            </a:r>
-            <a:r>
-              <a:rPr lang="en-US" altLang="zh-CN" dirty="0">
-                <a:latin typeface="+mn-ea"/>
-              </a:rPr>
-              <a:t>Alien</a:t>
-            </a:r>
-            <a:r>
-              <a:rPr lang="zh-CN" altLang="zh-CN" dirty="0">
-                <a:latin typeface="+mn-ea"/>
-              </a:rPr>
-              <a:t>，</a:t>
-            </a:r>
-            <a:r>
-              <a:rPr lang="en-US" altLang="zh-CN" dirty="0" err="1">
-                <a:latin typeface="+mn-ea"/>
-              </a:rPr>
-              <a:t>ArceOS</a:t>
-            </a:r>
-            <a:r>
-              <a:rPr lang="zh-CN" altLang="zh-CN" dirty="0">
-                <a:latin typeface="+mn-ea"/>
-              </a:rPr>
-              <a:t>以及</a:t>
-            </a:r>
-            <a:r>
-              <a:rPr lang="en-US" altLang="zh-CN" dirty="0">
-                <a:latin typeface="+mn-ea"/>
-              </a:rPr>
-              <a:t>Linux</a:t>
-            </a:r>
-            <a:r>
-              <a:rPr lang="zh-CN" altLang="zh-CN" dirty="0">
-                <a:latin typeface="+mn-ea"/>
-              </a:rPr>
-              <a:t>提供异步网卡驱动</a:t>
-            </a:r>
-            <a:endParaRPr lang="en-US" altLang="zh-CN" dirty="0">
-              <a:latin typeface="+mn-ea"/>
-            </a:endParaRPr>
-          </a:p>
-          <a:p>
-            <a:pPr marL="342900" indent="-342900" algn="just">
-              <a:lnSpc>
-                <a:spcPct val="150000"/>
-              </a:lnSpc>
-              <a:buClr>
-                <a:schemeClr val="tx2"/>
-              </a:buClr>
-              <a:buFont typeface="Wingdings" panose="05000000000000000000" pitchFamily="2" charset="2"/>
-              <a:buChar char="n"/>
-            </a:pPr>
-            <a:r>
-              <a:rPr lang="zh-CN" altLang="zh-CN" dirty="0">
-                <a:latin typeface="+mn-ea"/>
-              </a:rPr>
-              <a:t>针对</a:t>
-            </a:r>
-            <a:r>
-              <a:rPr lang="en-US" altLang="zh-CN" dirty="0">
-                <a:latin typeface="+mn-ea"/>
-              </a:rPr>
-              <a:t>Starfive2</a:t>
-            </a:r>
-            <a:r>
-              <a:rPr lang="zh-CN" altLang="zh-CN" dirty="0">
-                <a:latin typeface="+mn-ea"/>
-              </a:rPr>
-              <a:t>开发板上的各种硬件，给出相应的异步驱动实现；</a:t>
-            </a:r>
-            <a:endParaRPr lang="en-US" altLang="zh-CN" dirty="0">
-              <a:latin typeface="+mn-ea"/>
-            </a:endParaRPr>
-          </a:p>
-          <a:p>
-            <a:pPr marL="342900" indent="-342900" algn="just">
-              <a:lnSpc>
-                <a:spcPct val="150000"/>
-              </a:lnSpc>
-              <a:buClr>
-                <a:schemeClr val="tx2"/>
-              </a:buClr>
-              <a:buFont typeface="Wingdings" panose="05000000000000000000" pitchFamily="2" charset="2"/>
-              <a:buChar char="n"/>
-            </a:pPr>
-            <a:r>
-              <a:rPr lang="zh-CN" altLang="zh-CN" dirty="0">
-                <a:latin typeface="+mn-ea"/>
-              </a:rPr>
-              <a:t>并设计对比实验，对以上所实现的硬件驱动的性能进行分析。</a:t>
+              <a:t>驱动的性能进行分析</a:t>
             </a:r>
             <a:endParaRPr lang="en-US" altLang="zh-CN" dirty="0">
               <a:latin typeface="+mn-ea"/>
@@ -32379,6 +32580,547 @@
 </file>
 
 <file path=ppt/slides/slide7.xml><?xml version="1.0" encoding="utf-8"?>
+<p:sld xmlns:a="http://schemas.openxmlformats.org/drawingml/2006/main" xmlns:r="http://schemas.openxmlformats.org/officeDocument/2006/relationships" xmlns:p="http://schemas.openxmlformats.org/presentationml/2006/main">
+  <p:cSld>
+    <p:spTree>
+      <p:nvGrpSpPr>
+        <p:cNvPr id="1" name=""/>
+        <p:cNvGrpSpPr/>
+        <p:nvPr/>
+      </p:nvGrpSpPr>
+      <p:grpSpPr>
+        <a:xfrm>
+          <a:off x="0" y="0"/>
+          <a:ext cx="0" cy="0"/>
+          <a:chOff x="0" y="0"/>
+          <a:chExt cx="0" cy="0"/>
+        </a:xfrm>
+      </p:grpSpPr>
+      <p:sp>
+        <p:nvSpPr>
+          <p:cNvPr id="4" name="文本框 3"/>
+          <p:cNvSpPr txBox="1"/>
+          <p:nvPr/>
+        </p:nvSpPr>
+        <p:spPr>
+          <a:xfrm>
+            <a:off x="651020" y="1274747"/>
+            <a:ext cx="10915669" cy="2536400"/>
+          </a:xfrm>
+          <a:prstGeom prst="rect">
+            <a:avLst/>
+          </a:prstGeom>
+          <a:noFill/>
+        </p:spPr>
+        <p:txBody>
+          <a:bodyPr wrap="square" rtlCol="0">
+            <a:spAutoFit/>
+          </a:bodyPr>
+          <a:lstStyle/>
+          <a:p>
+            <a:pPr algn="just">
+              <a:lnSpc>
+                <a:spcPct val="150000"/>
+              </a:lnSpc>
+              <a:buClr>
+                <a:schemeClr val="tx2"/>
+              </a:buClr>
+            </a:pPr>
+            <a:r>
+              <a:rPr lang="zh-CN" altLang="en-US" dirty="0">
+                <a:latin typeface="+mn-ea"/>
+              </a:rPr>
+              <a:t>预期研究成果：</a:t>
+            </a:r>
+            <a:endParaRPr lang="en-US" altLang="zh-CN" dirty="0">
+              <a:latin typeface="+mn-ea"/>
+            </a:endParaRPr>
+          </a:p>
+          <a:p>
+            <a:pPr marL="342900" indent="-342900" algn="just">
+              <a:lnSpc>
+                <a:spcPct val="150000"/>
+              </a:lnSpc>
+              <a:buClr>
+                <a:schemeClr val="tx2"/>
+              </a:buClr>
+              <a:buFont typeface="Wingdings" panose="05000000000000000000" pitchFamily="2" charset="2"/>
+              <a:buChar char="n"/>
+            </a:pPr>
+            <a:r>
+              <a:rPr lang="zh-CN" altLang="en-US" dirty="0">
+                <a:latin typeface="+mn-ea"/>
+              </a:rPr>
+              <a:t>异步驱动模块的设计方案</a:t>
+            </a:r>
+            <a:endParaRPr lang="en-US" altLang="zh-CN" dirty="0">
+              <a:latin typeface="+mn-ea"/>
+            </a:endParaRPr>
+          </a:p>
+          <a:p>
+            <a:pPr marL="342900" indent="-342900" algn="just">
+              <a:lnSpc>
+                <a:spcPct val="150000"/>
+              </a:lnSpc>
+              <a:buClr>
+                <a:schemeClr val="tx2"/>
+              </a:buClr>
+              <a:buFont typeface="Wingdings" panose="05000000000000000000" pitchFamily="2" charset="2"/>
+              <a:buChar char="n"/>
+            </a:pPr>
+            <a:r>
+              <a:rPr lang="zh-CN" altLang="en-US" dirty="0">
+                <a:latin typeface="+mn-ea"/>
+              </a:rPr>
+              <a:t>能够供</a:t>
+            </a:r>
+            <a:r>
+              <a:rPr lang="en-US" altLang="zh-CN" dirty="0" err="1">
+                <a:latin typeface="+mn-ea"/>
+              </a:rPr>
+              <a:t>rCore</a:t>
+            </a:r>
+            <a:r>
+              <a:rPr lang="en-US" altLang="zh-CN" dirty="0">
+                <a:latin typeface="+mn-ea"/>
+              </a:rPr>
+              <a:t>-N</a:t>
+            </a:r>
+            <a:r>
+              <a:rPr lang="zh-CN" altLang="zh-CN" dirty="0">
+                <a:latin typeface="+mn-ea"/>
+              </a:rPr>
+              <a:t>，</a:t>
+            </a:r>
+            <a:r>
+              <a:rPr lang="en-US" altLang="zh-CN" dirty="0">
+                <a:latin typeface="+mn-ea"/>
+              </a:rPr>
+              <a:t>Alien</a:t>
+            </a:r>
+            <a:r>
+              <a:rPr lang="zh-CN" altLang="zh-CN" dirty="0">
+                <a:latin typeface="+mn-ea"/>
+              </a:rPr>
+              <a:t>，</a:t>
+            </a:r>
+            <a:r>
+              <a:rPr lang="en-US" altLang="zh-CN" dirty="0" err="1">
+                <a:latin typeface="+mn-ea"/>
+              </a:rPr>
+              <a:t>ArceOS</a:t>
+            </a:r>
+            <a:r>
+              <a:rPr lang="zh-CN" altLang="zh-CN" dirty="0">
+                <a:latin typeface="+mn-ea"/>
+              </a:rPr>
+              <a:t>以及</a:t>
+            </a:r>
+            <a:r>
+              <a:rPr lang="en-US" altLang="zh-CN" dirty="0">
+                <a:latin typeface="+mn-ea"/>
+              </a:rPr>
+              <a:t>Linux</a:t>
+            </a:r>
+            <a:r>
+              <a:rPr lang="zh-CN" altLang="en-US" dirty="0">
+                <a:latin typeface="+mn-ea"/>
+              </a:rPr>
+              <a:t>使用的异步</a:t>
+            </a:r>
+            <a:r>
+              <a:rPr lang="zh-CN" altLang="zh-CN" dirty="0">
+                <a:latin typeface="+mn-ea"/>
+              </a:rPr>
+              <a:t>虚拟串口驱动</a:t>
+            </a:r>
+            <a:r>
+              <a:rPr lang="zh-CN" altLang="en-US" dirty="0">
+                <a:latin typeface="+mn-ea"/>
+              </a:rPr>
+              <a:t>模块</a:t>
+            </a:r>
+            <a:endParaRPr lang="en-US" altLang="zh-CN" dirty="0">
+              <a:latin typeface="+mn-ea"/>
+            </a:endParaRPr>
+          </a:p>
+          <a:p>
+            <a:pPr marL="342900" indent="-342900" algn="just">
+              <a:lnSpc>
+                <a:spcPct val="150000"/>
+              </a:lnSpc>
+              <a:buClr>
+                <a:schemeClr val="tx2"/>
+              </a:buClr>
+              <a:buFont typeface="Wingdings" panose="05000000000000000000" pitchFamily="2" charset="2"/>
+              <a:buChar char="n"/>
+            </a:pPr>
+            <a:r>
+              <a:rPr lang="zh-CN" altLang="en-US" dirty="0">
+                <a:latin typeface="+mn-ea"/>
+              </a:rPr>
+              <a:t>能够供</a:t>
+            </a:r>
+            <a:r>
+              <a:rPr lang="en-US" altLang="zh-CN" dirty="0" err="1">
+                <a:latin typeface="+mn-ea"/>
+              </a:rPr>
+              <a:t>rCore</a:t>
+            </a:r>
+            <a:r>
+              <a:rPr lang="en-US" altLang="zh-CN" dirty="0">
+                <a:latin typeface="+mn-ea"/>
+              </a:rPr>
+              <a:t>-N</a:t>
+            </a:r>
+            <a:r>
+              <a:rPr lang="zh-CN" altLang="zh-CN" dirty="0">
+                <a:latin typeface="+mn-ea"/>
+              </a:rPr>
+              <a:t>，</a:t>
+            </a:r>
+            <a:r>
+              <a:rPr lang="en-US" altLang="zh-CN" dirty="0">
+                <a:latin typeface="+mn-ea"/>
+              </a:rPr>
+              <a:t>Alien</a:t>
+            </a:r>
+            <a:r>
+              <a:rPr lang="zh-CN" altLang="zh-CN" dirty="0">
+                <a:latin typeface="+mn-ea"/>
+              </a:rPr>
+              <a:t>，</a:t>
+            </a:r>
+            <a:r>
+              <a:rPr lang="en-US" altLang="zh-CN" dirty="0" err="1">
+                <a:latin typeface="+mn-ea"/>
+              </a:rPr>
+              <a:t>ArceOS</a:t>
+            </a:r>
+            <a:r>
+              <a:rPr lang="zh-CN" altLang="zh-CN" dirty="0">
+                <a:latin typeface="+mn-ea"/>
+              </a:rPr>
+              <a:t>以及</a:t>
+            </a:r>
+            <a:r>
+              <a:rPr lang="en-US" altLang="zh-CN" dirty="0">
+                <a:latin typeface="+mn-ea"/>
+              </a:rPr>
+              <a:t>Linux</a:t>
+            </a:r>
+            <a:r>
+              <a:rPr lang="zh-CN" altLang="en-US" dirty="0">
+                <a:latin typeface="+mn-ea"/>
+              </a:rPr>
+              <a:t>使用的异步</a:t>
+            </a:r>
+            <a:r>
+              <a:rPr lang="zh-CN" altLang="zh-CN" dirty="0">
+                <a:latin typeface="+mn-ea"/>
+              </a:rPr>
+              <a:t>虚拟</a:t>
+            </a:r>
+            <a:r>
+              <a:rPr lang="zh-CN" altLang="en-US" dirty="0">
+                <a:latin typeface="+mn-ea"/>
+              </a:rPr>
+              <a:t>网卡</a:t>
+            </a:r>
+            <a:r>
+              <a:rPr lang="zh-CN" altLang="zh-CN" dirty="0">
+                <a:latin typeface="+mn-ea"/>
+              </a:rPr>
+              <a:t>驱动</a:t>
+            </a:r>
+            <a:r>
+              <a:rPr lang="zh-CN" altLang="en-US" dirty="0">
+                <a:latin typeface="+mn-ea"/>
+              </a:rPr>
+              <a:t>模块</a:t>
+            </a:r>
+            <a:endParaRPr lang="en-US" altLang="zh-CN" dirty="0">
+              <a:latin typeface="+mn-ea"/>
+            </a:endParaRPr>
+          </a:p>
+          <a:p>
+            <a:pPr marL="342900" indent="-342900" algn="just">
+              <a:lnSpc>
+                <a:spcPct val="150000"/>
+              </a:lnSpc>
+              <a:buClr>
+                <a:schemeClr val="tx2"/>
+              </a:buClr>
+              <a:buFont typeface="Wingdings" panose="05000000000000000000" pitchFamily="2" charset="2"/>
+              <a:buChar char="n"/>
+            </a:pPr>
+            <a:r>
+              <a:rPr lang="zh-CN" altLang="zh-CN" dirty="0">
+                <a:latin typeface="+mn-ea"/>
+              </a:rPr>
+              <a:t>针对</a:t>
+            </a:r>
+            <a:r>
+              <a:rPr lang="en-US" altLang="zh-CN" dirty="0">
+                <a:latin typeface="+mn-ea"/>
+              </a:rPr>
+              <a:t>Starfive2</a:t>
+            </a:r>
+            <a:r>
+              <a:rPr lang="zh-CN" altLang="zh-CN" dirty="0">
+                <a:latin typeface="+mn-ea"/>
+              </a:rPr>
+              <a:t>开发板上的各种硬件，给出相应的异步驱动</a:t>
+            </a:r>
+            <a:r>
+              <a:rPr lang="zh-CN" altLang="en-US" dirty="0">
+                <a:latin typeface="+mn-ea"/>
+              </a:rPr>
+              <a:t>模块</a:t>
+            </a:r>
+            <a:r>
+              <a:rPr lang="zh-CN" altLang="zh-CN" dirty="0">
+                <a:latin typeface="+mn-ea"/>
+              </a:rPr>
+              <a:t>实现</a:t>
+            </a:r>
+            <a:endParaRPr lang="en-US" altLang="zh-CN" dirty="0">
+              <a:latin typeface="+mn-ea"/>
+            </a:endParaRPr>
+          </a:p>
+          <a:p>
+            <a:pPr marL="342900" indent="-342900" algn="just">
+              <a:lnSpc>
+                <a:spcPct val="150000"/>
+              </a:lnSpc>
+              <a:buClr>
+                <a:schemeClr val="tx2"/>
+              </a:buClr>
+              <a:buFont typeface="Wingdings" panose="05000000000000000000" pitchFamily="2" charset="2"/>
+              <a:buChar char="n"/>
+            </a:pPr>
+            <a:r>
+              <a:rPr lang="zh-CN" altLang="en-US" dirty="0">
+                <a:latin typeface="+mn-ea"/>
+              </a:rPr>
+              <a:t>异步驱动模块的性能分析结果</a:t>
+            </a:r>
+            <a:endParaRPr lang="en-US" altLang="zh-CN" dirty="0">
+              <a:latin typeface="+mn-ea"/>
+            </a:endParaRPr>
+          </a:p>
+        </p:txBody>
+      </p:sp>
+      <p:sp>
+        <p:nvSpPr>
+          <p:cNvPr id="9" name="标题 8"/>
+          <p:cNvSpPr>
+            <a:spLocks noGrp="1"/>
+          </p:cNvSpPr>
+          <p:nvPr>
+            <p:ph type="title"/>
+          </p:nvPr>
+        </p:nvSpPr>
+        <p:spPr/>
+        <p:txBody>
+          <a:bodyPr/>
+          <a:lstStyle/>
+          <a:p>
+            <a:r>
+              <a:rPr lang="zh-CN" altLang="en-US" dirty="0"/>
+              <a:t>预期研究成果</a:t>
+            </a:r>
+          </a:p>
+        </p:txBody>
+      </p:sp>
+      <p:sp>
+        <p:nvSpPr>
+          <p:cNvPr id="5" name="文本框 4"/>
+          <p:cNvSpPr txBox="1">
+            <a:spLocks noChangeArrowheads="1"/>
+          </p:cNvSpPr>
+          <p:nvPr/>
+        </p:nvSpPr>
+        <p:spPr bwMode="auto">
+          <a:xfrm>
+            <a:off x="357352" y="235111"/>
+            <a:ext cx="969798" cy="646112"/>
+          </a:xfrm>
+          <a:prstGeom prst="rect">
+            <a:avLst/>
+          </a:prstGeom>
+          <a:noFill/>
+          <a:ln>
+            <a:noFill/>
+          </a:ln>
+          <a:extLst>
+            <a:ext uri="{909E8E84-426E-40DD-AFC4-6F175D3DCCD1}">
+              <a14:hiddenFill xmlns:a14="http://schemas.microsoft.com/office/drawing/2010/main">
+                <a:solidFill>
+                  <a:srgbClr val="FFFFFF"/>
+                </a:solidFill>
+              </a14:hiddenFill>
+            </a:ext>
+            <a:ext uri="{91240B29-F687-4F45-9708-019B960494DF}">
+              <a14:hiddenLine xmlns:a14="http://schemas.microsoft.com/office/drawing/2010/main" w="9525">
+                <a:solidFill>
+                  <a:srgbClr val="000000"/>
+                </a:solidFill>
+                <a:miter lim="800000"/>
+                <a:headEnd/>
+                <a:tailEnd/>
+              </a14:hiddenLine>
+            </a:ext>
+          </a:extLst>
+        </p:spPr>
+        <p:txBody>
+          <a:bodyPr wrap="square">
+            <a:spAutoFit/>
+          </a:bodyPr>
+          <a:lstStyle>
+            <a:lvl1pPr marL="228600" indent="-228600">
+              <a:defRPr>
+                <a:solidFill>
+                  <a:schemeClr val="tx1"/>
+                </a:solidFill>
+                <a:latin typeface="Century Gothic" panose="020B0502020202020204" pitchFamily="34" charset="0"/>
+                <a:ea typeface="微软雅黑" panose="020B0503020204020204" pitchFamily="34" charset="-122"/>
+              </a:defRPr>
+            </a:lvl1pPr>
+            <a:lvl2pPr marL="742950" indent="-285750">
+              <a:defRPr>
+                <a:solidFill>
+                  <a:schemeClr val="tx1"/>
+                </a:solidFill>
+                <a:latin typeface="Century Gothic" panose="020B0502020202020204" pitchFamily="34" charset="0"/>
+                <a:ea typeface="微软雅黑" panose="020B0503020204020204" pitchFamily="34" charset="-122"/>
+              </a:defRPr>
+            </a:lvl2pPr>
+            <a:lvl3pPr marL="1143000" indent="-228600">
+              <a:defRPr>
+                <a:solidFill>
+                  <a:schemeClr val="tx1"/>
+                </a:solidFill>
+                <a:latin typeface="Century Gothic" panose="020B0502020202020204" pitchFamily="34" charset="0"/>
+                <a:ea typeface="微软雅黑" panose="020B0503020204020204" pitchFamily="34" charset="-122"/>
+              </a:defRPr>
+            </a:lvl3pPr>
+            <a:lvl4pPr marL="1600200" indent="-228600">
+              <a:defRPr>
+                <a:solidFill>
+                  <a:schemeClr val="tx1"/>
+                </a:solidFill>
+                <a:latin typeface="Century Gothic" panose="020B0502020202020204" pitchFamily="34" charset="0"/>
+                <a:ea typeface="微软雅黑" panose="020B0503020204020204" pitchFamily="34" charset="-122"/>
+              </a:defRPr>
+            </a:lvl4pPr>
+            <a:lvl5pPr marL="2057400" indent="-228600">
+              <a:defRPr>
+                <a:solidFill>
+                  <a:schemeClr val="tx1"/>
+                </a:solidFill>
+                <a:latin typeface="Century Gothic" panose="020B0502020202020204" pitchFamily="34" charset="0"/>
+                <a:ea typeface="微软雅黑" panose="020B0503020204020204" pitchFamily="34" charset="-122"/>
+              </a:defRPr>
+            </a:lvl5pPr>
+            <a:lvl6pPr marL="2514600" indent="-228600" fontAlgn="base">
+              <a:spcBef>
+                <a:spcPct val="0"/>
+              </a:spcBef>
+              <a:spcAft>
+                <a:spcPct val="0"/>
+              </a:spcAft>
+              <a:defRPr>
+                <a:solidFill>
+                  <a:schemeClr val="tx1"/>
+                </a:solidFill>
+                <a:latin typeface="Century Gothic" panose="020B0502020202020204" pitchFamily="34" charset="0"/>
+                <a:ea typeface="微软雅黑" panose="020B0503020204020204" pitchFamily="34" charset="-122"/>
+              </a:defRPr>
+            </a:lvl6pPr>
+            <a:lvl7pPr marL="2971800" indent="-228600" fontAlgn="base">
+              <a:spcBef>
+                <a:spcPct val="0"/>
+              </a:spcBef>
+              <a:spcAft>
+                <a:spcPct val="0"/>
+              </a:spcAft>
+              <a:defRPr>
+                <a:solidFill>
+                  <a:schemeClr val="tx1"/>
+                </a:solidFill>
+                <a:latin typeface="Century Gothic" panose="020B0502020202020204" pitchFamily="34" charset="0"/>
+                <a:ea typeface="微软雅黑" panose="020B0503020204020204" pitchFamily="34" charset="-122"/>
+              </a:defRPr>
+            </a:lvl7pPr>
+            <a:lvl8pPr marL="3429000" indent="-228600" fontAlgn="base">
+              <a:spcBef>
+                <a:spcPct val="0"/>
+              </a:spcBef>
+              <a:spcAft>
+                <a:spcPct val="0"/>
+              </a:spcAft>
+              <a:defRPr>
+                <a:solidFill>
+                  <a:schemeClr val="tx1"/>
+                </a:solidFill>
+                <a:latin typeface="Century Gothic" panose="020B0502020202020204" pitchFamily="34" charset="0"/>
+                <a:ea typeface="微软雅黑" panose="020B0503020204020204" pitchFamily="34" charset="-122"/>
+              </a:defRPr>
+            </a:lvl8pPr>
+            <a:lvl9pPr marL="3886200" indent="-228600" fontAlgn="base">
+              <a:spcBef>
+                <a:spcPct val="0"/>
+              </a:spcBef>
+              <a:spcAft>
+                <a:spcPct val="0"/>
+              </a:spcAft>
+              <a:defRPr>
+                <a:solidFill>
+                  <a:schemeClr val="tx1"/>
+                </a:solidFill>
+                <a:latin typeface="Century Gothic" panose="020B0502020202020204" pitchFamily="34" charset="0"/>
+                <a:ea typeface="微软雅黑" panose="020B0503020204020204" pitchFamily="34" charset="-122"/>
+              </a:defRPr>
+            </a:lvl9pPr>
+          </a:lstStyle>
+          <a:p>
+            <a:pPr algn="ctr" eaLnBrk="1" hangingPunct="1">
+              <a:defRPr/>
+            </a:pPr>
+            <a:r>
+              <a:rPr lang="en-US" altLang="zh-CN" sz="3600" b="1" dirty="0">
+                <a:solidFill>
+                  <a:schemeClr val="bg1"/>
+                </a:solidFill>
+              </a:rPr>
+              <a:t>4</a:t>
+            </a:r>
+            <a:endParaRPr lang="zh-CN" altLang="en-US" sz="3600" b="1" dirty="0">
+              <a:solidFill>
+                <a:schemeClr val="bg1"/>
+              </a:solidFill>
+            </a:endParaRPr>
+          </a:p>
+        </p:txBody>
+      </p:sp>
+    </p:spTree>
+    <p:extLst>
+      <p:ext uri="{BB962C8B-B14F-4D97-AF65-F5344CB8AC3E}">
+        <p14:creationId xmlns:p14="http://schemas.microsoft.com/office/powerpoint/2010/main" val="1663835"/>
+      </p:ext>
+    </p:extLst>
+  </p:cSld>
+  <p:clrMapOvr>
+    <a:masterClrMapping/>
+  </p:clrMapOvr>
+  <p:transition spd="med">
+    <p:pull/>
+  </p:transition>
+</p:sld>
+</file>
+
+<file path=ppt/slides/slide8.xml><?xml version="1.0" encoding="utf-8"?>
 <p:sld xmlns:a="http://schemas.openxmlformats.org/drawingml/2006/main" xmlns:r="http://schemas.openxmlformats.org/officeDocument/2006/relationships" xmlns:p="http://schemas.openxmlformats.org/presentationml/2006/main">
   <p:cSld>
     <p:spTree>
@@ -33038,7 +33780,13 @@
       </p:sp>
       <p:sp>
         <p:nvSpPr>
-          <p:cNvPr id="5" name="文本框 4"/>
+          <p:cNvPr id="2" name="文本框 1">
+            <a:extLst>
+              <a:ext uri="{FF2B5EF4-FFF2-40B4-BE49-F238E27FC236}">
+                <a16:creationId xmlns:a16="http://schemas.microsoft.com/office/drawing/2014/main" id="{51814611-EEC4-2268-672C-188D5C714DFF}"/>
+              </a:ext>
+            </a:extLst>
+          </p:cNvPr>
           <p:cNvSpPr txBox="1">
             <a:spLocks noChangeArrowheads="1"/>
           </p:cNvSpPr>
@@ -33046,7 +33794,7 @@
         </p:nvSpPr>
         <p:spPr bwMode="auto">
           <a:xfrm>
-            <a:off x="413913" y="178336"/>
+            <a:off x="357352" y="235111"/>
             <a:ext cx="969798" cy="646112"/>
           </a:xfrm>
           <a:prstGeom prst="rect">
@@ -33197,7 +33945,7 @@
                   <a:schemeClr val="bg1"/>
                 </a:solidFill>
               </a:rPr>
-              <a:t>4</a:t>
+              <a:t>5</a:t>
             </a:r>
             <a:endParaRPr lang="zh-CN" altLang="en-US" sz="3600" b="1" dirty="0">
               <a:solidFill>
@@ -33223,7 +33971,7 @@
 </p:sld>
 </file>
 
-<file path=ppt/slides/slide8.xml><?xml version="1.0" encoding="utf-8"?>
+<file path=ppt/slides/slide9.xml><?xml version="1.0" encoding="utf-8"?>
 <p:sld xmlns:a="http://schemas.openxmlformats.org/drawingml/2006/main" xmlns:r="http://schemas.openxmlformats.org/officeDocument/2006/relationships" xmlns:p="http://schemas.openxmlformats.org/presentationml/2006/main">
   <p:cSld>
     <p:spTree>

--- a/report/毕业设计开题报告.pptx
+++ b/report/毕业设计开题报告.pptx
@@ -206,7 +206,7 @@
           <a:p>
             <a:fld id="{F70DF39A-271E-47AB-8B77-8A9EF1AD9A5E}" type="datetimeFigureOut">
               <a:rPr lang="zh-CN" altLang="en-US" smtClean="0"/>
-              <a:t>2024/1/25</a:t>
+              <a:t>2024/2/27</a:t>
             </a:fld>
             <a:endParaRPr lang="zh-CN" altLang="en-US"/>
           </a:p>
@@ -1538,7 +1538,7 @@
           <a:p>
             <a:fld id="{89343E9B-D603-4F0D-9169-BD4DA596EFCF}" type="datetimeFigureOut">
               <a:rPr lang="zh-CN" altLang="en-US" smtClean="0"/>
-              <a:t>2024/1/25</a:t>
+              <a:t>2024/2/27</a:t>
             </a:fld>
             <a:endParaRPr lang="zh-CN" altLang="en-US"/>
           </a:p>
@@ -1736,7 +1736,7 @@
           <a:p>
             <a:fld id="{89343E9B-D603-4F0D-9169-BD4DA596EFCF}" type="datetimeFigureOut">
               <a:rPr lang="zh-CN" altLang="en-US" smtClean="0"/>
-              <a:t>2024/1/25</a:t>
+              <a:t>2024/2/27</a:t>
             </a:fld>
             <a:endParaRPr lang="zh-CN" altLang="en-US"/>
           </a:p>
@@ -1944,7 +1944,7 @@
           <a:p>
             <a:fld id="{89343E9B-D603-4F0D-9169-BD4DA596EFCF}" type="datetimeFigureOut">
               <a:rPr lang="zh-CN" altLang="en-US" smtClean="0"/>
-              <a:t>2024/1/25</a:t>
+              <a:t>2024/2/27</a:t>
             </a:fld>
             <a:endParaRPr lang="zh-CN" altLang="en-US"/>
           </a:p>
@@ -25549,7 +25549,7 @@
           <a:p>
             <a:fld id="{89343E9B-D603-4F0D-9169-BD4DA596EFCF}" type="datetimeFigureOut">
               <a:rPr lang="zh-CN" altLang="en-US" smtClean="0"/>
-              <a:t>2024/1/25</a:t>
+              <a:t>2024/2/27</a:t>
             </a:fld>
             <a:endParaRPr lang="zh-CN" altLang="en-US"/>
           </a:p>
@@ -25824,7 +25824,7 @@
           <a:p>
             <a:fld id="{89343E9B-D603-4F0D-9169-BD4DA596EFCF}" type="datetimeFigureOut">
               <a:rPr lang="zh-CN" altLang="en-US" smtClean="0"/>
-              <a:t>2024/1/25</a:t>
+              <a:t>2024/2/27</a:t>
             </a:fld>
             <a:endParaRPr lang="zh-CN" altLang="en-US"/>
           </a:p>
@@ -26089,7 +26089,7 @@
           <a:p>
             <a:fld id="{89343E9B-D603-4F0D-9169-BD4DA596EFCF}" type="datetimeFigureOut">
               <a:rPr lang="zh-CN" altLang="en-US" smtClean="0"/>
-              <a:t>2024/1/25</a:t>
+              <a:t>2024/2/27</a:t>
             </a:fld>
             <a:endParaRPr lang="zh-CN" altLang="en-US"/>
           </a:p>
@@ -26501,7 +26501,7 @@
           <a:p>
             <a:fld id="{89343E9B-D603-4F0D-9169-BD4DA596EFCF}" type="datetimeFigureOut">
               <a:rPr lang="zh-CN" altLang="en-US" smtClean="0"/>
-              <a:t>2024/1/25</a:t>
+              <a:t>2024/2/27</a:t>
             </a:fld>
             <a:endParaRPr lang="zh-CN" altLang="en-US"/>
           </a:p>
@@ -26642,7 +26642,7 @@
           <a:p>
             <a:fld id="{89343E9B-D603-4F0D-9169-BD4DA596EFCF}" type="datetimeFigureOut">
               <a:rPr lang="zh-CN" altLang="en-US" smtClean="0"/>
-              <a:t>2024/1/25</a:t>
+              <a:t>2024/2/27</a:t>
             </a:fld>
             <a:endParaRPr lang="zh-CN" altLang="en-US"/>
           </a:p>
@@ -26755,7 +26755,7 @@
           <a:p>
             <a:fld id="{89343E9B-D603-4F0D-9169-BD4DA596EFCF}" type="datetimeFigureOut">
               <a:rPr lang="zh-CN" altLang="en-US" smtClean="0"/>
-              <a:t>2024/1/25</a:t>
+              <a:t>2024/2/27</a:t>
             </a:fld>
             <a:endParaRPr lang="zh-CN" altLang="en-US"/>
           </a:p>
@@ -27066,7 +27066,7 @@
           <a:p>
             <a:fld id="{89343E9B-D603-4F0D-9169-BD4DA596EFCF}" type="datetimeFigureOut">
               <a:rPr lang="zh-CN" altLang="en-US" smtClean="0"/>
-              <a:t>2024/1/25</a:t>
+              <a:t>2024/2/27</a:t>
             </a:fld>
             <a:endParaRPr lang="zh-CN" altLang="en-US"/>
           </a:p>
@@ -27354,7 +27354,7 @@
           <a:p>
             <a:fld id="{89343E9B-D603-4F0D-9169-BD4DA596EFCF}" type="datetimeFigureOut">
               <a:rPr lang="zh-CN" altLang="en-US" smtClean="0"/>
-              <a:t>2024/1/25</a:t>
+              <a:t>2024/2/27</a:t>
             </a:fld>
             <a:endParaRPr lang="zh-CN" altLang="en-US"/>
           </a:p>
@@ -27595,7 +27595,7 @@
           <a:p>
             <a:fld id="{89343E9B-D603-4F0D-9169-BD4DA596EFCF}" type="datetimeFigureOut">
               <a:rPr lang="zh-CN" altLang="en-US" smtClean="0"/>
-              <a:t>2024/1/25</a:t>
+              <a:t>2024/2/27</a:t>
             </a:fld>
             <a:endParaRPr lang="zh-CN" altLang="en-US"/>
           </a:p>
@@ -28256,7 +28256,7 @@
                 <a:tabLst/>
                 <a:defRPr/>
               </a:pPr>
-              <a:t>2024/1/25</a:t>
+              <a:t>2024/2/27</a:t>
             </a:fld>
             <a:endParaRPr kumimoji="0" lang="zh-CN" altLang="en-US" sz="1200" b="0" i="0" u="none" strike="noStrike" kern="1200" cap="none" spc="0" normalizeH="0" baseline="0" noProof="0">
               <a:ln>
@@ -29000,7 +29000,7 @@
             </a:r>
             <a:fld id="{7FE9B91D-69D4-41E0-B26E-5023391A4E5E}" type="datetime1">
               <a:rPr lang="zh-CN" altLang="en-US" smtClean="0"/>
-              <a:t>2024/1/25</a:t>
+              <a:t>2024/2/27</a:t>
             </a:fld>
             <a:endParaRPr lang="en-US" altLang="zh-CN" dirty="0"/>
           </a:p>
@@ -30746,10 +30746,16 @@
               <a:t>I/O </a:t>
             </a:r>
             <a:r>
+              <a:rPr lang="zh-CN" altLang="en-US">
+                <a:latin typeface="+mn-ea"/>
+              </a:rPr>
+              <a:t>函数不会立即返回</a:t>
+            </a:r>
+            <a:r>
               <a:rPr lang="zh-CN" altLang="en-US" dirty="0">
                 <a:latin typeface="+mn-ea"/>
               </a:rPr>
-              <a:t>函数不会立即返回，导致原函数阻塞在该位置</a:t>
+              <a:t>，导致原函数阻塞在该位置</a:t>
             </a:r>
             <a:endParaRPr lang="en-US" altLang="zh-CN" dirty="0">
               <a:latin typeface="+mn-ea"/>
@@ -32099,31 +32105,7 @@
               <a:rPr lang="zh-CN" altLang="en-US" dirty="0">
                 <a:latin typeface="+mn-ea"/>
               </a:rPr>
-              <a:t>语言针对几个特定的硬件，开发跨操作系统的异步驱动模块，</a:t>
-            </a:r>
-            <a:r>
-              <a:rPr lang="zh-CN" altLang="en-US">
-                <a:latin typeface="+mn-ea"/>
-              </a:rPr>
-              <a:t>并对这些异步</a:t>
-            </a:r>
-            <a:r>
-              <a:rPr lang="zh-CN" altLang="en-US" dirty="0">
-                <a:latin typeface="+mn-ea"/>
-              </a:rPr>
-              <a:t>驱动模块的性能与传统的</a:t>
-            </a:r>
-            <a:r>
-              <a:rPr lang="zh-CN" altLang="en-US">
-                <a:latin typeface="+mn-ea"/>
-              </a:rPr>
-              <a:t>同步驱动的</a:t>
-            </a:r>
-            <a:r>
-              <a:rPr lang="zh-CN" altLang="en-US" dirty="0">
-                <a:latin typeface="+mn-ea"/>
-              </a:rPr>
-              <a:t>性能在一定条件下进行比较，最终得出异步驱动模块相较于同步驱动模块的优势。</a:t>
+              <a:t>语言针对几个特定的硬件，开发跨操作系统的异步驱动模块，并对这些异步驱动模块的性能与传统的同步驱动的性能在一定条件下进行比较，最终得出异步驱动模块相较于同步驱动模块的优势。</a:t>
             </a:r>
             <a:endParaRPr lang="en-US" altLang="zh-CN" dirty="0">
               <a:latin typeface="+mn-ea"/>
@@ -32236,13 +32218,13 @@
               <a:rPr lang="en-US" altLang="zh-CN" dirty="0">
                 <a:latin typeface="+mn-ea"/>
               </a:rPr>
-              <a:t> Starfive2</a:t>
+              <a:t> Vision Five2</a:t>
             </a:r>
             <a:r>
               <a:rPr lang="zh-CN" altLang="en-US" dirty="0">
                 <a:latin typeface="+mn-ea"/>
               </a:rPr>
-              <a:t>等</a:t>
+              <a:t>星光二开发板等</a:t>
             </a:r>
             <a:endParaRPr lang="en-US" altLang="zh-CN" dirty="0">
               <a:latin typeface="+mn-ea"/>
@@ -32864,13 +32846,25 @@
               <a:rPr lang="en-US" altLang="zh-CN" dirty="0">
                 <a:latin typeface="+mn-ea"/>
               </a:rPr>
-              <a:t>Starfive2</a:t>
+              <a:t>Vision Five2 </a:t>
+            </a:r>
+            <a:r>
+              <a:rPr lang="zh-CN" altLang="en-US">
+                <a:latin typeface="+mn-ea"/>
+              </a:rPr>
+              <a:t>星光二代</a:t>
+            </a:r>
+            <a:r>
+              <a:rPr lang="zh-CN" altLang="zh-CN">
+                <a:latin typeface="+mn-ea"/>
+              </a:rPr>
+              <a:t>开发</a:t>
             </a:r>
             <a:r>
               <a:rPr lang="zh-CN" altLang="zh-CN" dirty="0">
                 <a:latin typeface="+mn-ea"/>
               </a:rPr>
-              <a:t>开发板上的各种硬件，给出相应的异步驱动</a:t>
+              <a:t>板上的各种硬件，给出相应的异步驱动</a:t>
             </a:r>
             <a:r>
               <a:rPr lang="zh-CN" altLang="en-US" dirty="0">
